--- a/slides/Kendo UI for jQuery.pptx
+++ b/slides/Kendo UI for jQuery.pptx
@@ -4824,13 +4824,8 @@
           <a:p>
             <a:r>
               <a:rPr lang="en-US" dirty="0"/>
-              <a:t>-Add types to the </a:t>
-            </a:r>
-            <a:r>
-              <a:rPr lang="en-US"/>
-              <a:t>grid columns</a:t>
-            </a:r>
-            <a:endParaRPr lang="en-US" dirty="0"/>
+              <a:t>-Add types to the grid columns</a:t>
+            </a:r>
           </a:p>
         </p:txBody>
       </p:sp>

--- a/slides/Kendo UI for jQuery.pptx
+++ b/slides/Kendo UI for jQuery.pptx
@@ -4998,6 +4998,33 @@
           <a:bodyPr/>
           <a:lstStyle/>
           <a:p>
+            <a:r>
+              <a:rPr lang="en-US" dirty="0"/>
+              <a:t>-Others: </a:t>
+            </a:r>
+            <a:r>
+              <a:rPr lang="en-US" dirty="0" err="1"/>
+              <a:t>GanttDataSource</a:t>
+            </a:r>
+            <a:r>
+              <a:rPr lang="en-US" dirty="0"/>
+              <a:t>, </a:t>
+            </a:r>
+            <a:r>
+              <a:rPr lang="en-US" dirty="0" err="1"/>
+              <a:t>HierarchicalDataSource</a:t>
+            </a:r>
+            <a:r>
+              <a:rPr lang="en-US" dirty="0"/>
+              <a:t>, </a:t>
+            </a:r>
+            <a:r>
+              <a:rPr lang="en-US" dirty="0" err="1"/>
+              <a:t>SchedulerDataSource</a:t>
+            </a:r>
+            <a:endParaRPr lang="en-US" dirty="0"/>
+          </a:p>
+          <a:p>
             <a:endParaRPr lang="en-US" dirty="0"/>
           </a:p>
         </p:txBody>
@@ -5019,7 +5046,7 @@
           <a:p>
             <a:fld id="{7B195CEB-2E34-4F4C-94D1-44578327D7A0}" type="slidenum">
               <a:rPr lang="en-US" smtClean="0"/>
-              <a:t>32</a:t>
+              <a:t>24</a:t>
             </a:fld>
             <a:endParaRPr lang="en-US"/>
           </a:p>
@@ -5028,7 +5055,7 @@
     </p:spTree>
     <p:extLst>
       <p:ext uri="{BB962C8B-B14F-4D97-AF65-F5344CB8AC3E}">
-        <p14:creationId xmlns:p14="http://schemas.microsoft.com/office/powerpoint/2010/main" val="1293204279"/>
+        <p14:creationId xmlns:p14="http://schemas.microsoft.com/office/powerpoint/2010/main" val="945324710"/>
       </p:ext>
     </p:extLst>
   </p:cSld>
@@ -5082,124 +5109,16 @@
           <a:bodyPr/>
           <a:lstStyle/>
           <a:p>
-            <a:pPr lvl="1">
-              <a:spcAft>
-                <a:spcPts val="900"/>
-              </a:spcAft>
-            </a:pPr>
             <a:r>
               <a:rPr lang="en-US" dirty="0"/>
-              <a:t>Chatbots are another area which we believe will gain more traction in the future. </a:t>
-            </a:r>
-          </a:p>
-          <a:p>
-            <a:pPr lvl="1">
-              <a:spcAft>
-                <a:spcPts val="900"/>
-              </a:spcAft>
-            </a:pPr>
+              <a:t>-Show records returned in debug console</a:t>
+            </a:r>
+          </a:p>
+          <a:p>
             <a:r>
               <a:rPr lang="en-US" dirty="0"/>
-              <a:t>2 types of bot… limited amount of specialized processes that replace the need to talk to a person or use complicated UIs</a:t>
-            </a:r>
-          </a:p>
-          <a:p>
-            <a:pPr lvl="1">
-              <a:spcAft>
-                <a:spcPts val="900"/>
-              </a:spcAft>
-            </a:pPr>
-            <a:r>
-              <a:rPr lang="en-US" dirty="0"/>
-              <a:t>Not one likes stupid bots</a:t>
-            </a:r>
-          </a:p>
-          <a:p>
-            <a:pPr lvl="1">
-              <a:spcAft>
-                <a:spcPts val="900"/>
-              </a:spcAft>
-            </a:pPr>
-            <a:r>
-              <a:rPr lang="en-US" dirty="0"/>
-              <a:t>Benefits</a:t>
-            </a:r>
-          </a:p>
-          <a:p>
-            <a:pPr lvl="1">
-              <a:spcAft>
-                <a:spcPts val="900"/>
-              </a:spcAft>
-            </a:pPr>
-            <a:r>
-              <a:rPr lang="en-US" dirty="0"/>
-              <a:t>------------------------------------------------------------</a:t>
-            </a:r>
-          </a:p>
-          <a:p>
-            <a:pPr lvl="1">
-              <a:spcAft>
-                <a:spcPts val="900"/>
-              </a:spcAft>
-            </a:pPr>
-            <a:r>
-              <a:rPr lang="en-US" dirty="0"/>
-              <a:t>There are generally two types of chatbots. We have all heard or used Alexa, Cortana, Siri and Google Assistant. These are the so called </a:t>
-            </a:r>
-            <a:r>
-              <a:rPr lang="en-US" b="1" dirty="0"/>
-              <a:t>knowledge chatbots</a:t>
-            </a:r>
-            <a:r>
-              <a:rPr lang="en-US" dirty="0"/>
-              <a:t>, which are trained on enormous amount of data and aim to help the user making a decision or providing the requested information. On the other hand, there are the </a:t>
-            </a:r>
-            <a:r>
-              <a:rPr lang="en-US" b="1" dirty="0"/>
-              <a:t>transactional chatbots</a:t>
-            </a:r>
-            <a:r>
-              <a:rPr lang="en-US" b="0" dirty="0"/>
-              <a:t>, whose purpose is to execute a limited amount of </a:t>
-            </a:r>
-            <a:r>
-              <a:rPr lang="en-US" b="1" dirty="0"/>
-              <a:t>specialized processes that replace the need to talk to an expert</a:t>
-            </a:r>
-            <a:r>
-              <a:rPr lang="en-US" b="0" dirty="0"/>
-              <a:t>, or to use complicated </a:t>
-            </a:r>
-            <a:r>
-              <a:rPr lang="en-US" b="0" dirty="0" err="1"/>
-              <a:t>Uis</a:t>
-            </a:r>
-            <a:r>
-              <a:rPr lang="en-US" b="0" dirty="0"/>
-              <a:t> such as long forms or processes. Think what a bank operator can do for you over the phone – verify identity, block stolen credit card, provide working hours for nearby branches, or help out with information about outgoing transfer. Other examples could be booking a doctor appointment, buy a vacation, food or insurance. All these, are very good cases for where a transactional chatbot can deliver value, by helping the customers 24/7 without the need for large operator teams to pick up the phone. </a:t>
-            </a:r>
-          </a:p>
-          <a:p>
-            <a:pPr lvl="1">
-              <a:spcAft>
-                <a:spcPts val="900"/>
-              </a:spcAft>
-            </a:pPr>
-            <a:endParaRPr lang="en-US" b="0" dirty="0"/>
-          </a:p>
-          <a:p>
-            <a:pPr lvl="1">
-              <a:spcAft>
-                <a:spcPts val="900"/>
-              </a:spcAft>
-            </a:pPr>
-            <a:r>
-              <a:rPr lang="en-US" b="0" dirty="0"/>
-              <a:t>There is a catch though. No one likes, stupid chatbots, so it is very important to utilize Natural Language Understanding service and to train your bot properly, so your users never get blocked. A rule of the thumb is that a user using the chatbot should be able to finish their task faster than using other means (e.g. filling a form or a phone call). </a:t>
-            </a:r>
-          </a:p>
-          <a:p>
-            <a:endParaRPr lang="en-US" dirty="0"/>
+              <a:t>-Talk about postman</a:t>
+            </a:r>
           </a:p>
         </p:txBody>
       </p:sp>
@@ -5220,7 +5139,7 @@
           <a:p>
             <a:fld id="{7B195CEB-2E34-4F4C-94D1-44578327D7A0}" type="slidenum">
               <a:rPr lang="en-US" smtClean="0"/>
-              <a:t>33</a:t>
+              <a:t>25</a:t>
             </a:fld>
             <a:endParaRPr lang="en-US"/>
           </a:p>
@@ -5229,7 +5148,7 @@
     </p:spTree>
     <p:extLst>
       <p:ext uri="{BB962C8B-B14F-4D97-AF65-F5344CB8AC3E}">
-        <p14:creationId xmlns:p14="http://schemas.microsoft.com/office/powerpoint/2010/main" val="3905826661"/>
+        <p14:creationId xmlns:p14="http://schemas.microsoft.com/office/powerpoint/2010/main" val="2942839032"/>
       </p:ext>
     </p:extLst>
   </p:cSld>
@@ -5283,99 +5202,10 @@
           <a:bodyPr/>
           <a:lstStyle/>
           <a:p>
-            <a:pPr lvl="1">
-              <a:spcAft>
-                <a:spcPts val="900"/>
-              </a:spcAft>
-            </a:pPr>
             <a:r>
               <a:rPr lang="en-US" dirty="0"/>
-              <a:t>Information presentation – easy to understand and engaging</a:t>
-            </a:r>
-          </a:p>
-          <a:p>
-            <a:pPr lvl="1">
-              <a:spcAft>
-                <a:spcPts val="900"/>
-              </a:spcAft>
-            </a:pPr>
-            <a:r>
-              <a:rPr lang="en-US" dirty="0"/>
-              <a:t>Introduced conversational UI in W M D. </a:t>
-            </a:r>
-          </a:p>
-          <a:p>
-            <a:pPr lvl="1">
-              <a:spcAft>
-                <a:spcPts val="900"/>
-              </a:spcAft>
-            </a:pPr>
-            <a:r>
-              <a:rPr lang="en-US" dirty="0"/>
-              <a:t>Framework agnostic, easy to use, aid natural conv flow, no need to another channel – use your app</a:t>
-            </a:r>
-          </a:p>
-          <a:p>
-            <a:pPr lvl="1">
-              <a:spcAft>
-                <a:spcPts val="900"/>
-              </a:spcAft>
-            </a:pPr>
-            <a:endParaRPr lang="en-US" b="0" dirty="0"/>
-          </a:p>
-          <a:p>
-            <a:pPr lvl="1">
-              <a:spcAft>
-                <a:spcPts val="900"/>
-              </a:spcAft>
-            </a:pPr>
-            <a:r>
-              <a:rPr lang="en-US" b="0" dirty="0"/>
-              <a:t>Another thing that have to be considered is presentation of the information in a </a:t>
-            </a:r>
-            <a:r>
-              <a:rPr lang="en-US" b="1" dirty="0"/>
-              <a:t>easy to understand, and engaging way</a:t>
-            </a:r>
-            <a:r>
-              <a:rPr lang="en-US" b="0" dirty="0"/>
-              <a:t>. This is where we decided our expertise can help and we introduced the Conversational UI story across the board of all of our UI product lines to aid developers in the implementation of engaging chatbots, whether in mobile, desktop or web applications. </a:t>
-            </a:r>
-          </a:p>
-          <a:p>
-            <a:pPr lvl="1">
-              <a:spcAft>
-                <a:spcPts val="900"/>
-              </a:spcAft>
-            </a:pPr>
-            <a:endParaRPr lang="en-US" b="0" dirty="0"/>
-          </a:p>
-          <a:p>
-            <a:pPr lvl="1">
-              <a:spcAft>
-                <a:spcPts val="900"/>
-              </a:spcAft>
-            </a:pPr>
-            <a:r>
-              <a:rPr lang="en-US" b="0" dirty="0"/>
-              <a:t>The Conversational UI components, are framework agnostic, which means, not matter which framework you utilize, you can use Conversational UI for your user experience. They are easy to implement and provide the means to deliver natural conversation flow and most importantly, you can embed these bots in your existing applications with the same look and feel and without the need to send your users to external channels such as </a:t>
-            </a:r>
-            <a:r>
-              <a:rPr lang="en-US" b="0" dirty="0" err="1"/>
-              <a:t>facebook</a:t>
-            </a:r>
-            <a:r>
-              <a:rPr lang="en-US" b="0" dirty="0"/>
-              <a:t>, skype, </a:t>
-            </a:r>
-            <a:r>
-              <a:rPr lang="en-US" b="0" dirty="0" err="1"/>
-              <a:t>etc</a:t>
-            </a:r>
-            <a:endParaRPr lang="en-US" dirty="0"/>
-          </a:p>
-          <a:p>
-            <a:endParaRPr lang="en-US" dirty="0"/>
+              <a:t>-show template function</a:t>
+            </a:r>
           </a:p>
         </p:txBody>
       </p:sp>
@@ -5396,7 +5226,7 @@
           <a:p>
             <a:fld id="{7B195CEB-2E34-4F4C-94D1-44578327D7A0}" type="slidenum">
               <a:rPr lang="en-US" smtClean="0"/>
-              <a:t>34</a:t>
+              <a:t>28</a:t>
             </a:fld>
             <a:endParaRPr lang="en-US"/>
           </a:p>
@@ -5405,7 +5235,7 @@
     </p:spTree>
     <p:extLst>
       <p:ext uri="{BB962C8B-B14F-4D97-AF65-F5344CB8AC3E}">
-        <p14:creationId xmlns:p14="http://schemas.microsoft.com/office/powerpoint/2010/main" val="2657871542"/>
+        <p14:creationId xmlns:p14="http://schemas.microsoft.com/office/powerpoint/2010/main" val="3760875849"/>
       </p:ext>
     </p:extLst>
   </p:cSld>
@@ -5459,7 +5289,21 @@
           <a:bodyPr/>
           <a:lstStyle/>
           <a:p>
+            <a:r>
+              <a:rPr lang="en-US" dirty="0"/>
+              <a:t>-</a:t>
+            </a:r>
+            <a:r>
+              <a:rPr lang="en-US" dirty="0" err="1"/>
+              <a:t>polyfill</a:t>
+            </a:r>
             <a:endParaRPr lang="en-US" dirty="0"/>
+          </a:p>
+          <a:p>
+            <a:r>
+              <a:rPr lang="en-US" dirty="0"/>
+              <a:t>-first check browser support</a:t>
+            </a:r>
           </a:p>
         </p:txBody>
       </p:sp>
@@ -5480,7 +5324,7 @@
           <a:p>
             <a:fld id="{7B195CEB-2E34-4F4C-94D1-44578327D7A0}" type="slidenum">
               <a:rPr lang="en-US" smtClean="0"/>
-              <a:t>35</a:t>
+              <a:t>29</a:t>
             </a:fld>
             <a:endParaRPr lang="en-US"/>
           </a:p>
@@ -5489,7 +5333,186 @@
     </p:spTree>
     <p:extLst>
       <p:ext uri="{BB962C8B-B14F-4D97-AF65-F5344CB8AC3E}">
-        <p14:creationId xmlns:p14="http://schemas.microsoft.com/office/powerpoint/2010/main" val="1366216546"/>
+        <p14:creationId xmlns:p14="http://schemas.microsoft.com/office/powerpoint/2010/main" val="9115109"/>
+      </p:ext>
+    </p:extLst>
+  </p:cSld>
+  <p:clrMapOvr>
+    <a:masterClrMapping/>
+  </p:clrMapOvr>
+</p:notes>
+</file>
+
+<file path=ppt/notesSlides/notesSlide18.xml><?xml version="1.0" encoding="utf-8"?>
+<p:notes xmlns:a="http://schemas.openxmlformats.org/drawingml/2006/main" xmlns:r="http://schemas.openxmlformats.org/officeDocument/2006/relationships" xmlns:p="http://schemas.openxmlformats.org/presentationml/2006/main">
+  <p:cSld>
+    <p:spTree>
+      <p:nvGrpSpPr>
+        <p:cNvPr id="1" name=""/>
+        <p:cNvGrpSpPr/>
+        <p:nvPr/>
+      </p:nvGrpSpPr>
+      <p:grpSpPr>
+        <a:xfrm>
+          <a:off x="0" y="0"/>
+          <a:ext cx="0" cy="0"/>
+          <a:chOff x="0" y="0"/>
+          <a:chExt cx="0" cy="0"/>
+        </a:xfrm>
+      </p:grpSpPr>
+      <p:sp>
+        <p:nvSpPr>
+          <p:cNvPr id="2" name="Slide Image Placeholder 1"/>
+          <p:cNvSpPr>
+            <a:spLocks noGrp="1" noRot="1" noChangeAspect="1"/>
+          </p:cNvSpPr>
+          <p:nvPr>
+            <p:ph type="sldImg"/>
+          </p:nvPr>
+        </p:nvSpPr>
+        <p:spPr/>
+      </p:sp>
+      <p:sp>
+        <p:nvSpPr>
+          <p:cNvPr id="3" name="Notes Placeholder 2"/>
+          <p:cNvSpPr>
+            <a:spLocks noGrp="1"/>
+          </p:cNvSpPr>
+          <p:nvPr>
+            <p:ph type="body" idx="1"/>
+          </p:nvPr>
+        </p:nvSpPr>
+        <p:spPr/>
+        <p:txBody>
+          <a:bodyPr/>
+          <a:lstStyle/>
+          <a:p>
+            <a:r>
+              <a:rPr lang="en-US" dirty="0"/>
+              <a:t>-Show the messages file</a:t>
+            </a:r>
+          </a:p>
+        </p:txBody>
+      </p:sp>
+      <p:sp>
+        <p:nvSpPr>
+          <p:cNvPr id="4" name="Slide Number Placeholder 3"/>
+          <p:cNvSpPr>
+            <a:spLocks noGrp="1"/>
+          </p:cNvSpPr>
+          <p:nvPr>
+            <p:ph type="sldNum" sz="quarter" idx="10"/>
+          </p:nvPr>
+        </p:nvSpPr>
+        <p:spPr/>
+        <p:txBody>
+          <a:bodyPr/>
+          <a:lstStyle/>
+          <a:p>
+            <a:fld id="{7B195CEB-2E34-4F4C-94D1-44578327D7A0}" type="slidenum">
+              <a:rPr lang="en-US" smtClean="0"/>
+              <a:t>31</a:t>
+            </a:fld>
+            <a:endParaRPr lang="en-US"/>
+          </a:p>
+        </p:txBody>
+      </p:sp>
+    </p:spTree>
+    <p:extLst>
+      <p:ext uri="{BB962C8B-B14F-4D97-AF65-F5344CB8AC3E}">
+        <p14:creationId xmlns:p14="http://schemas.microsoft.com/office/powerpoint/2010/main" val="3891092247"/>
+      </p:ext>
+    </p:extLst>
+  </p:cSld>
+  <p:clrMapOvr>
+    <a:masterClrMapping/>
+  </p:clrMapOvr>
+</p:notes>
+</file>
+
+<file path=ppt/notesSlides/notesSlide19.xml><?xml version="1.0" encoding="utf-8"?>
+<p:notes xmlns:a="http://schemas.openxmlformats.org/drawingml/2006/main" xmlns:r="http://schemas.openxmlformats.org/officeDocument/2006/relationships" xmlns:p="http://schemas.openxmlformats.org/presentationml/2006/main">
+  <p:cSld>
+    <p:spTree>
+      <p:nvGrpSpPr>
+        <p:cNvPr id="1" name=""/>
+        <p:cNvGrpSpPr/>
+        <p:nvPr/>
+      </p:nvGrpSpPr>
+      <p:grpSpPr>
+        <a:xfrm>
+          <a:off x="0" y="0"/>
+          <a:ext cx="0" cy="0"/>
+          <a:chOff x="0" y="0"/>
+          <a:chExt cx="0" cy="0"/>
+        </a:xfrm>
+      </p:grpSpPr>
+      <p:sp>
+        <p:nvSpPr>
+          <p:cNvPr id="2" name="Slide Image Placeholder 1"/>
+          <p:cNvSpPr>
+            <a:spLocks noGrp="1" noRot="1" noChangeAspect="1"/>
+          </p:cNvSpPr>
+          <p:nvPr>
+            <p:ph type="sldImg"/>
+          </p:nvPr>
+        </p:nvSpPr>
+        <p:spPr/>
+      </p:sp>
+      <p:sp>
+        <p:nvSpPr>
+          <p:cNvPr id="3" name="Notes Placeholder 2"/>
+          <p:cNvSpPr>
+            <a:spLocks noGrp="1"/>
+          </p:cNvSpPr>
+          <p:nvPr>
+            <p:ph type="body" idx="1"/>
+          </p:nvPr>
+        </p:nvSpPr>
+        <p:spPr/>
+        <p:txBody>
+          <a:bodyPr/>
+          <a:lstStyle/>
+          <a:p>
+            <a:r>
+              <a:rPr lang="en-US" dirty="0"/>
+              <a:t>-Show </a:t>
+            </a:r>
+            <a:r>
+              <a:rPr lang="en-US"/>
+              <a:t>the culture file</a:t>
+            </a:r>
+            <a:endParaRPr lang="en-US" dirty="0"/>
+          </a:p>
+        </p:txBody>
+      </p:sp>
+      <p:sp>
+        <p:nvSpPr>
+          <p:cNvPr id="4" name="Slide Number Placeholder 3"/>
+          <p:cNvSpPr>
+            <a:spLocks noGrp="1"/>
+          </p:cNvSpPr>
+          <p:nvPr>
+            <p:ph type="sldNum" sz="quarter" idx="10"/>
+          </p:nvPr>
+        </p:nvSpPr>
+        <p:spPr/>
+        <p:txBody>
+          <a:bodyPr/>
+          <a:lstStyle/>
+          <a:p>
+            <a:fld id="{7B195CEB-2E34-4F4C-94D1-44578327D7A0}" type="slidenum">
+              <a:rPr lang="en-US" smtClean="0"/>
+              <a:t>32</a:t>
+            </a:fld>
+            <a:endParaRPr lang="en-US"/>
+          </a:p>
+        </p:txBody>
+      </p:sp>
+    </p:spTree>
+    <p:extLst>
+      <p:ext uri="{BB962C8B-B14F-4D97-AF65-F5344CB8AC3E}">
+        <p14:creationId xmlns:p14="http://schemas.microsoft.com/office/powerpoint/2010/main" val="1293204279"/>
       </p:ext>
     </p:extLst>
   </p:cSld>
@@ -5594,6 +5617,494 @@
     <p:extLst>
       <p:ext uri="{BB962C8B-B14F-4D97-AF65-F5344CB8AC3E}">
         <p14:creationId xmlns:p14="http://schemas.microsoft.com/office/powerpoint/2010/main" val="1885951329"/>
+      </p:ext>
+    </p:extLst>
+  </p:cSld>
+  <p:clrMapOvr>
+    <a:masterClrMapping/>
+  </p:clrMapOvr>
+</p:notes>
+</file>
+
+<file path=ppt/notesSlides/notesSlide20.xml><?xml version="1.0" encoding="utf-8"?>
+<p:notes xmlns:a="http://schemas.openxmlformats.org/drawingml/2006/main" xmlns:r="http://schemas.openxmlformats.org/officeDocument/2006/relationships" xmlns:p="http://schemas.openxmlformats.org/presentationml/2006/main">
+  <p:cSld>
+    <p:spTree>
+      <p:nvGrpSpPr>
+        <p:cNvPr id="1" name=""/>
+        <p:cNvGrpSpPr/>
+        <p:nvPr/>
+      </p:nvGrpSpPr>
+      <p:grpSpPr>
+        <a:xfrm>
+          <a:off x="0" y="0"/>
+          <a:ext cx="0" cy="0"/>
+          <a:chOff x="0" y="0"/>
+          <a:chExt cx="0" cy="0"/>
+        </a:xfrm>
+      </p:grpSpPr>
+      <p:sp>
+        <p:nvSpPr>
+          <p:cNvPr id="2" name="Slide Image Placeholder 1"/>
+          <p:cNvSpPr>
+            <a:spLocks noGrp="1" noRot="1" noChangeAspect="1"/>
+          </p:cNvSpPr>
+          <p:nvPr>
+            <p:ph type="sldImg"/>
+          </p:nvPr>
+        </p:nvSpPr>
+        <p:spPr/>
+      </p:sp>
+      <p:sp>
+        <p:nvSpPr>
+          <p:cNvPr id="3" name="Notes Placeholder 2"/>
+          <p:cNvSpPr>
+            <a:spLocks noGrp="1"/>
+          </p:cNvSpPr>
+          <p:nvPr>
+            <p:ph type="body" idx="1"/>
+          </p:nvPr>
+        </p:nvSpPr>
+        <p:spPr/>
+        <p:txBody>
+          <a:bodyPr/>
+          <a:lstStyle/>
+          <a:p>
+            <a:pPr lvl="1">
+              <a:spcAft>
+                <a:spcPts val="900"/>
+              </a:spcAft>
+            </a:pPr>
+            <a:r>
+              <a:rPr lang="en-US" dirty="0"/>
+              <a:t>Although Kendo UI is a pretty mature framework it is regularly updated with new features following the latest trends in software development. One such trend is the focus of the latest Kendo update – it is called conversational </a:t>
+            </a:r>
+            <a:r>
+              <a:rPr lang="en-US" dirty="0" err="1"/>
+              <a:t>ui</a:t>
+            </a:r>
+            <a:r>
+              <a:rPr lang="en-US" dirty="0"/>
+              <a:t>.</a:t>
+            </a:r>
+          </a:p>
+          <a:p>
+            <a:pPr lvl="1">
+              <a:spcAft>
+                <a:spcPts val="900"/>
+              </a:spcAft>
+            </a:pPr>
+            <a:endParaRPr lang="en-US" dirty="0"/>
+          </a:p>
+          <a:p>
+            <a:pPr lvl="1">
+              <a:spcAft>
+                <a:spcPts val="900"/>
+              </a:spcAft>
+            </a:pPr>
+            <a:r>
+              <a:rPr lang="en-US" dirty="0"/>
+              <a:t>Chatbots are another area which we believe will gain more traction in the future. </a:t>
+            </a:r>
+          </a:p>
+          <a:p>
+            <a:pPr lvl="1">
+              <a:spcAft>
+                <a:spcPts val="900"/>
+              </a:spcAft>
+            </a:pPr>
+            <a:r>
+              <a:rPr lang="en-US" dirty="0"/>
+              <a:t>2 types of bot… limited amount of specialized processes that replace the need to talk to a person or use complicated UIs</a:t>
+            </a:r>
+          </a:p>
+          <a:p>
+            <a:pPr lvl="1">
+              <a:spcAft>
+                <a:spcPts val="900"/>
+              </a:spcAft>
+            </a:pPr>
+            <a:r>
+              <a:rPr lang="en-US" dirty="0"/>
+              <a:t>Not one likes stupid bots</a:t>
+            </a:r>
+          </a:p>
+          <a:p>
+            <a:pPr lvl="1">
+              <a:spcAft>
+                <a:spcPts val="900"/>
+              </a:spcAft>
+            </a:pPr>
+            <a:r>
+              <a:rPr lang="en-US" dirty="0"/>
+              <a:t>Benefits</a:t>
+            </a:r>
+          </a:p>
+          <a:p>
+            <a:pPr lvl="1">
+              <a:spcAft>
+                <a:spcPts val="900"/>
+              </a:spcAft>
+            </a:pPr>
+            <a:r>
+              <a:rPr lang="en-US" dirty="0"/>
+              <a:t>------------------------------------------------------------</a:t>
+            </a:r>
+          </a:p>
+          <a:p>
+            <a:pPr lvl="1">
+              <a:spcAft>
+                <a:spcPts val="900"/>
+              </a:spcAft>
+            </a:pPr>
+            <a:r>
+              <a:rPr lang="en-US" dirty="0"/>
+              <a:t>There are generally two types of chatbots. We have all heard or used Alexa, Cortana, Siri and Google Assistant. These are the so called </a:t>
+            </a:r>
+            <a:r>
+              <a:rPr lang="en-US" b="1" dirty="0"/>
+              <a:t>knowledge chatbots</a:t>
+            </a:r>
+            <a:r>
+              <a:rPr lang="en-US" dirty="0"/>
+              <a:t>, which are trained on enormous amount of data and aim to help the user making a decision or providing the requested information. On the other hand, there are the </a:t>
+            </a:r>
+            <a:r>
+              <a:rPr lang="en-US" b="1" dirty="0"/>
+              <a:t>transactional chatbots</a:t>
+            </a:r>
+            <a:r>
+              <a:rPr lang="en-US" b="0" dirty="0"/>
+              <a:t>, whose purpose is to execute a limited amount of </a:t>
+            </a:r>
+            <a:r>
+              <a:rPr lang="en-US" b="1" dirty="0"/>
+              <a:t>specialized processes that replace the need to talk to an expert</a:t>
+            </a:r>
+            <a:r>
+              <a:rPr lang="en-US" b="0" dirty="0"/>
+              <a:t>, or to use complicated </a:t>
+            </a:r>
+            <a:r>
+              <a:rPr lang="en-US" b="0" dirty="0" err="1"/>
+              <a:t>Uis</a:t>
+            </a:r>
+            <a:r>
+              <a:rPr lang="en-US" b="0" dirty="0"/>
+              <a:t> such as long forms or processes. Think what a bank operator can do for you over the phone – verify identity, block stolen credit card, provide working hours for nearby branches, or help out with information about outgoing transfer. Other examples could be booking a doctor appointment, buy a vacation, food or insurance. All these, are very good cases for where a transactional chatbot can deliver value, by helping the customers 24/7 without the need for large operator teams to pick up the phone. </a:t>
+            </a:r>
+          </a:p>
+          <a:p>
+            <a:pPr lvl="1">
+              <a:spcAft>
+                <a:spcPts val="900"/>
+              </a:spcAft>
+            </a:pPr>
+            <a:endParaRPr lang="en-US" b="0" dirty="0"/>
+          </a:p>
+          <a:p>
+            <a:pPr lvl="1">
+              <a:spcAft>
+                <a:spcPts val="900"/>
+              </a:spcAft>
+            </a:pPr>
+            <a:r>
+              <a:rPr lang="en-US" b="0" dirty="0"/>
+              <a:t>There is a catch though. No one likes, stupid chatbots, so it is very important to utilize Natural Language Understanding service and to train your bot properly, so your users never get blocked. A rule of the thumb is that a user using the chatbot should be able to finish their task faster than using other means (e.g. filling a form or a phone call). </a:t>
+            </a:r>
+          </a:p>
+          <a:p>
+            <a:endParaRPr lang="en-US" dirty="0"/>
+          </a:p>
+        </p:txBody>
+      </p:sp>
+      <p:sp>
+        <p:nvSpPr>
+          <p:cNvPr id="4" name="Slide Number Placeholder 3"/>
+          <p:cNvSpPr>
+            <a:spLocks noGrp="1"/>
+          </p:cNvSpPr>
+          <p:nvPr>
+            <p:ph type="sldNum" sz="quarter" idx="10"/>
+          </p:nvPr>
+        </p:nvSpPr>
+        <p:spPr/>
+        <p:txBody>
+          <a:bodyPr/>
+          <a:lstStyle/>
+          <a:p>
+            <a:fld id="{7B195CEB-2E34-4F4C-94D1-44578327D7A0}" type="slidenum">
+              <a:rPr lang="en-US" smtClean="0"/>
+              <a:t>33</a:t>
+            </a:fld>
+            <a:endParaRPr lang="en-US"/>
+          </a:p>
+        </p:txBody>
+      </p:sp>
+    </p:spTree>
+    <p:extLst>
+      <p:ext uri="{BB962C8B-B14F-4D97-AF65-F5344CB8AC3E}">
+        <p14:creationId xmlns:p14="http://schemas.microsoft.com/office/powerpoint/2010/main" val="3905826661"/>
+      </p:ext>
+    </p:extLst>
+  </p:cSld>
+  <p:clrMapOvr>
+    <a:masterClrMapping/>
+  </p:clrMapOvr>
+</p:notes>
+</file>
+
+<file path=ppt/notesSlides/notesSlide21.xml><?xml version="1.0" encoding="utf-8"?>
+<p:notes xmlns:a="http://schemas.openxmlformats.org/drawingml/2006/main" xmlns:r="http://schemas.openxmlformats.org/officeDocument/2006/relationships" xmlns:p="http://schemas.openxmlformats.org/presentationml/2006/main">
+  <p:cSld>
+    <p:spTree>
+      <p:nvGrpSpPr>
+        <p:cNvPr id="1" name=""/>
+        <p:cNvGrpSpPr/>
+        <p:nvPr/>
+      </p:nvGrpSpPr>
+      <p:grpSpPr>
+        <a:xfrm>
+          <a:off x="0" y="0"/>
+          <a:ext cx="0" cy="0"/>
+          <a:chOff x="0" y="0"/>
+          <a:chExt cx="0" cy="0"/>
+        </a:xfrm>
+      </p:grpSpPr>
+      <p:sp>
+        <p:nvSpPr>
+          <p:cNvPr id="2" name="Slide Image Placeholder 1"/>
+          <p:cNvSpPr>
+            <a:spLocks noGrp="1" noRot="1" noChangeAspect="1"/>
+          </p:cNvSpPr>
+          <p:nvPr>
+            <p:ph type="sldImg"/>
+          </p:nvPr>
+        </p:nvSpPr>
+        <p:spPr/>
+      </p:sp>
+      <p:sp>
+        <p:nvSpPr>
+          <p:cNvPr id="3" name="Notes Placeholder 2"/>
+          <p:cNvSpPr>
+            <a:spLocks noGrp="1"/>
+          </p:cNvSpPr>
+          <p:nvPr>
+            <p:ph type="body" idx="1"/>
+          </p:nvPr>
+        </p:nvSpPr>
+        <p:spPr/>
+        <p:txBody>
+          <a:bodyPr/>
+          <a:lstStyle/>
+          <a:p>
+            <a:pPr lvl="1">
+              <a:spcAft>
+                <a:spcPts val="900"/>
+              </a:spcAft>
+            </a:pPr>
+            <a:r>
+              <a:rPr lang="en-US" dirty="0"/>
+              <a:t>Information presentation – easy to understand and engaging</a:t>
+            </a:r>
+          </a:p>
+          <a:p>
+            <a:pPr lvl="1">
+              <a:spcAft>
+                <a:spcPts val="900"/>
+              </a:spcAft>
+            </a:pPr>
+            <a:r>
+              <a:rPr lang="en-US" dirty="0"/>
+              <a:t>Introduced conversational UI in W M D. </a:t>
+            </a:r>
+          </a:p>
+          <a:p>
+            <a:pPr lvl="1">
+              <a:spcAft>
+                <a:spcPts val="900"/>
+              </a:spcAft>
+            </a:pPr>
+            <a:r>
+              <a:rPr lang="en-US" dirty="0"/>
+              <a:t>Framework agnostic, easy to use, aid natural conv flow, no need to another channel – use your app</a:t>
+            </a:r>
+          </a:p>
+          <a:p>
+            <a:pPr lvl="1">
+              <a:spcAft>
+                <a:spcPts val="900"/>
+              </a:spcAft>
+            </a:pPr>
+            <a:endParaRPr lang="en-US" b="0" dirty="0"/>
+          </a:p>
+          <a:p>
+            <a:pPr lvl="1">
+              <a:spcAft>
+                <a:spcPts val="900"/>
+              </a:spcAft>
+            </a:pPr>
+            <a:r>
+              <a:rPr lang="en-US" b="0" dirty="0"/>
+              <a:t>Another thing that have to be considered is presentation of the information in a </a:t>
+            </a:r>
+            <a:r>
+              <a:rPr lang="en-US" b="1" dirty="0"/>
+              <a:t>easy to understand, and engaging way</a:t>
+            </a:r>
+            <a:r>
+              <a:rPr lang="en-US" b="0" dirty="0"/>
+              <a:t>. This is where we decided our expertise can help and we introduced the Conversational UI story across the board of all of our UI product lines to aid developers in the implementation of engaging chatbots, whether in mobile, desktop or web applications. </a:t>
+            </a:r>
+          </a:p>
+          <a:p>
+            <a:pPr lvl="1">
+              <a:spcAft>
+                <a:spcPts val="900"/>
+              </a:spcAft>
+            </a:pPr>
+            <a:endParaRPr lang="en-US" b="0" dirty="0"/>
+          </a:p>
+          <a:p>
+            <a:pPr lvl="1">
+              <a:spcAft>
+                <a:spcPts val="900"/>
+              </a:spcAft>
+            </a:pPr>
+            <a:r>
+              <a:rPr lang="en-US" b="0" dirty="0"/>
+              <a:t>The Conversational UI components, are framework agnostic, which means, not matter which framework you utilize, you can use Conversational UI for your user experience. They are easy to implement and provide the means to deliver natural conversation flow and most importantly, you can embed these bots in your existing applications with the same look and feel and without the need to send your users to external channels such as </a:t>
+            </a:r>
+            <a:r>
+              <a:rPr lang="en-US" b="0" dirty="0" err="1"/>
+              <a:t>facebook</a:t>
+            </a:r>
+            <a:r>
+              <a:rPr lang="en-US" b="0" dirty="0"/>
+              <a:t>, skype, </a:t>
+            </a:r>
+            <a:r>
+              <a:rPr lang="en-US" b="0" dirty="0" err="1"/>
+              <a:t>etc</a:t>
+            </a:r>
+            <a:endParaRPr lang="en-US" dirty="0"/>
+          </a:p>
+          <a:p>
+            <a:endParaRPr lang="en-US" dirty="0"/>
+          </a:p>
+        </p:txBody>
+      </p:sp>
+      <p:sp>
+        <p:nvSpPr>
+          <p:cNvPr id="4" name="Slide Number Placeholder 3"/>
+          <p:cNvSpPr>
+            <a:spLocks noGrp="1"/>
+          </p:cNvSpPr>
+          <p:nvPr>
+            <p:ph type="sldNum" sz="quarter" idx="10"/>
+          </p:nvPr>
+        </p:nvSpPr>
+        <p:spPr/>
+        <p:txBody>
+          <a:bodyPr/>
+          <a:lstStyle/>
+          <a:p>
+            <a:fld id="{7B195CEB-2E34-4F4C-94D1-44578327D7A0}" type="slidenum">
+              <a:rPr lang="en-US" smtClean="0"/>
+              <a:t>34</a:t>
+            </a:fld>
+            <a:endParaRPr lang="en-US"/>
+          </a:p>
+        </p:txBody>
+      </p:sp>
+    </p:spTree>
+    <p:extLst>
+      <p:ext uri="{BB962C8B-B14F-4D97-AF65-F5344CB8AC3E}">
+        <p14:creationId xmlns:p14="http://schemas.microsoft.com/office/powerpoint/2010/main" val="2657871542"/>
+      </p:ext>
+    </p:extLst>
+  </p:cSld>
+  <p:clrMapOvr>
+    <a:masterClrMapping/>
+  </p:clrMapOvr>
+</p:notes>
+</file>
+
+<file path=ppt/notesSlides/notesSlide22.xml><?xml version="1.0" encoding="utf-8"?>
+<p:notes xmlns:a="http://schemas.openxmlformats.org/drawingml/2006/main" xmlns:r="http://schemas.openxmlformats.org/officeDocument/2006/relationships" xmlns:p="http://schemas.openxmlformats.org/presentationml/2006/main">
+  <p:cSld>
+    <p:spTree>
+      <p:nvGrpSpPr>
+        <p:cNvPr id="1" name=""/>
+        <p:cNvGrpSpPr/>
+        <p:nvPr/>
+      </p:nvGrpSpPr>
+      <p:grpSpPr>
+        <a:xfrm>
+          <a:off x="0" y="0"/>
+          <a:ext cx="0" cy="0"/>
+          <a:chOff x="0" y="0"/>
+          <a:chExt cx="0" cy="0"/>
+        </a:xfrm>
+      </p:grpSpPr>
+      <p:sp>
+        <p:nvSpPr>
+          <p:cNvPr id="2" name="Slide Image Placeholder 1"/>
+          <p:cNvSpPr>
+            <a:spLocks noGrp="1" noRot="1" noChangeAspect="1"/>
+          </p:cNvSpPr>
+          <p:nvPr>
+            <p:ph type="sldImg"/>
+          </p:nvPr>
+        </p:nvSpPr>
+        <p:spPr/>
+      </p:sp>
+      <p:sp>
+        <p:nvSpPr>
+          <p:cNvPr id="3" name="Notes Placeholder 2"/>
+          <p:cNvSpPr>
+            <a:spLocks noGrp="1"/>
+          </p:cNvSpPr>
+          <p:nvPr>
+            <p:ph type="body" idx="1"/>
+          </p:nvPr>
+        </p:nvSpPr>
+        <p:spPr/>
+        <p:txBody>
+          <a:bodyPr/>
+          <a:lstStyle/>
+          <a:p>
+            <a:endParaRPr lang="en-US" dirty="0"/>
+          </a:p>
+        </p:txBody>
+      </p:sp>
+      <p:sp>
+        <p:nvSpPr>
+          <p:cNvPr id="4" name="Slide Number Placeholder 3"/>
+          <p:cNvSpPr>
+            <a:spLocks noGrp="1"/>
+          </p:cNvSpPr>
+          <p:nvPr>
+            <p:ph type="sldNum" sz="quarter" idx="10"/>
+          </p:nvPr>
+        </p:nvSpPr>
+        <p:spPr/>
+        <p:txBody>
+          <a:bodyPr/>
+          <a:lstStyle/>
+          <a:p>
+            <a:fld id="{7B195CEB-2E34-4F4C-94D1-44578327D7A0}" type="slidenum">
+              <a:rPr lang="en-US" smtClean="0"/>
+              <a:t>35</a:t>
+            </a:fld>
+            <a:endParaRPr lang="en-US"/>
+          </a:p>
+        </p:txBody>
+      </p:sp>
+    </p:spTree>
+    <p:extLst>
+      <p:ext uri="{BB962C8B-B14F-4D97-AF65-F5344CB8AC3E}">
+        <p14:creationId xmlns:p14="http://schemas.microsoft.com/office/powerpoint/2010/main" val="1366216546"/>
       </p:ext>
     </p:extLst>
   </p:cSld>
@@ -19982,7 +20493,7 @@
             </a:r>
             <a:r>
               <a:rPr lang="en-US" sz="2400" dirty="0">
-                <a:hlinkClick r:id="rId2"/>
+                <a:hlinkClick r:id="rId3"/>
               </a:rPr>
               <a:t>data sources</a:t>
             </a:r>
@@ -20381,7 +20892,7 @@
           <a:p>
             <a:r>
               <a:rPr lang="en-US" dirty="0">
-                <a:hlinkClick r:id="rId2"/>
+                <a:hlinkClick r:id="rId3"/>
               </a:rPr>
               <a:t>OData</a:t>
             </a:r>
@@ -20428,7 +20939,7 @@
           <p:nvPr/>
         </p:nvPicPr>
         <p:blipFill>
-          <a:blip r:embed="rId3">
+          <a:blip r:embed="rId4">
             <a:extLst>
               <a:ext uri="{28A0092B-C50C-407E-A947-70E740481C1C}">
                 <a14:useLocalDpi xmlns:a14="http://schemas.microsoft.com/office/drawing/2010/main" val="0"/>
@@ -21558,7 +22069,7 @@
           <p:nvPr/>
         </p:nvPicPr>
         <p:blipFill>
-          <a:blip r:embed="rId2">
+          <a:blip r:embed="rId3">
             <a:extLst>
               <a:ext uri="{28A0092B-C50C-407E-A947-70E740481C1C}">
                 <a14:useLocalDpi xmlns:a14="http://schemas.microsoft.com/office/drawing/2010/main" val="0"/>
@@ -25420,6 +25931,15 @@
             </a:r>
           </a:p>
           <a:p>
+            <a:r>
+              <a:rPr lang="en-US" dirty="0">
+                <a:hlinkClick r:id="rId3"/>
+              </a:rPr>
+              <a:t>Demo</a:t>
+            </a:r>
+            <a:endParaRPr lang="en-US" dirty="0"/>
+          </a:p>
+          <a:p>
             <a:pPr marL="0" indent="0">
               <a:buNone/>
             </a:pPr>
@@ -25442,7 +25962,7 @@
           <p:nvPr/>
         </p:nvPicPr>
         <p:blipFill>
-          <a:blip r:embed="rId3">
+          <a:blip r:embed="rId4">
             <a:extLst>
               <a:ext uri="{28A0092B-C50C-407E-A947-70E740481C1C}">
                 <a14:useLocalDpi xmlns:a14="http://schemas.microsoft.com/office/drawing/2010/main" val="0"/>
